--- a/SQLXL_Index.pptx
+++ b/SQLXL_Index.pptx
@@ -279,7 +279,7 @@
           <a:p>
             <a:fld id="{2456FE53-F494-43F8-93B4-12CD0913CA08}" type="datetimeFigureOut">
               <a:rPr lang="en-US" smtClean="0"/>
-              <a:t>3/22/2024</a:t>
+              <a:t>3/23/2024</a:t>
             </a:fld>
             <a:endParaRPr lang="en-US"/>
           </a:p>
@@ -2469,108 +2469,139 @@
           <a:lstStyle/>
           <a:p>
             <a:r>
-              <a:rPr lang="en-US" dirty="0"/>
+              <a:rPr lang="en-US" b="1" dirty="0">
+                <a:solidFill>
+                  <a:schemeClr val="tx1"/>
+                </a:solidFill>
+              </a:rPr>
               <a:t>Sample Data - Microsoft’s </a:t>
             </a:r>
             <a:r>
-              <a:rPr lang="en-US" dirty="0" err="1"/>
+              <a:rPr lang="en-US" b="1" dirty="0" err="1">
+                <a:solidFill>
+                  <a:schemeClr val="tx1"/>
+                </a:solidFill>
+              </a:rPr>
               <a:t>WideWorldImporters_FULL</a:t>
             </a:r>
-            <a:endParaRPr lang="en-US" dirty="0"/>
-          </a:p>
-          <a:p>
-            <a:r>
-              <a:rPr lang="en-US" dirty="0"/>
+            <a:endParaRPr lang="en-US" b="1" dirty="0">
+              <a:solidFill>
+                <a:schemeClr val="tx1"/>
+              </a:solidFill>
+            </a:endParaRPr>
+          </a:p>
+          <a:p>
+            <a:r>
+              <a:rPr lang="en-US" b="1" dirty="0">
+                <a:solidFill>
+                  <a:schemeClr val="tx1"/>
+                </a:solidFill>
+              </a:rPr>
               <a:t>Run </a:t>
             </a:r>
             <a:r>
-              <a:rPr lang="en-US" dirty="0" err="1"/>
+              <a:rPr lang="en-US" b="1" dirty="0" err="1">
+                <a:solidFill>
+                  <a:schemeClr val="tx1"/>
+                </a:solidFill>
+              </a:rPr>
               <a:t>SQLXL_Index</a:t>
             </a:r>
-            <a:endParaRPr lang="en-US" dirty="0"/>
-          </a:p>
-          <a:p>
-            <a:r>
-              <a:rPr lang="en-US" dirty="0"/>
-              <a:t>Display in Excel</a:t>
-            </a:r>
-          </a:p>
-          <a:p>
-            <a:endParaRPr lang="en-US" dirty="0"/>
-          </a:p>
-          <a:p>
-            <a:r>
-              <a:rPr lang="en-US" dirty="0"/>
+            <a:endParaRPr lang="en-US" b="1" dirty="0">
+              <a:solidFill>
+                <a:schemeClr val="tx1"/>
+              </a:solidFill>
+            </a:endParaRPr>
+          </a:p>
+          <a:p>
+            <a:r>
+              <a:rPr lang="en-US" b="1" dirty="0">
+                <a:solidFill>
+                  <a:schemeClr val="tx1"/>
+                </a:solidFill>
+              </a:rPr>
+              <a:t>Display in Excel - </a:t>
+            </a:r>
+            <a:r>
+              <a:rPr lang="en-US" dirty="0">
+                <a:solidFill>
+                  <a:schemeClr val="tx1"/>
+                </a:solidFill>
+              </a:rPr>
               <a:t>Automagically transferred to Excel via macros and ADODB connection</a:t>
             </a:r>
           </a:p>
           <a:p>
             <a:r>
-              <a:rPr lang="en-US" dirty="0"/>
+              <a:rPr lang="en-US" dirty="0">
+                <a:solidFill>
+                  <a:schemeClr val="tx1"/>
+                </a:solidFill>
+              </a:rPr>
               <a:t>Dropdown - select columns displayed- </a:t>
             </a:r>
             <a:r>
-              <a:rPr lang="en-US" b="1" dirty="0"/>
+              <a:rPr lang="en-US" b="1" dirty="0">
+                <a:solidFill>
+                  <a:schemeClr val="tx1"/>
+                </a:solidFill>
+              </a:rPr>
               <a:t>258 </a:t>
             </a:r>
             <a:r>
-              <a:rPr lang="en-US" dirty="0"/>
+              <a:rPr lang="en-US" dirty="0">
+                <a:solidFill>
+                  <a:schemeClr val="tx1"/>
+                </a:solidFill>
+              </a:rPr>
               <a:t>columns at last count</a:t>
             </a:r>
           </a:p>
           <a:p>
             <a:r>
-              <a:rPr lang="en-US" b="1" dirty="0"/>
+              <a:rPr lang="en-US" b="1" dirty="0">
+                <a:solidFill>
+                  <a:schemeClr val="tx1"/>
+                </a:solidFill>
+              </a:rPr>
               <a:t>24</a:t>
             </a:r>
             <a:r>
-              <a:rPr lang="en-US" dirty="0"/>
+              <a:rPr lang="en-US" dirty="0">
+                <a:solidFill>
+                  <a:schemeClr val="tx1"/>
+                </a:solidFill>
+              </a:rPr>
               <a:t> hurt metrics, computed as percent of instance/database</a:t>
             </a:r>
           </a:p>
           <a:p>
             <a:r>
-              <a:rPr lang="en-US" dirty="0"/>
-              <a:t>For each table - </a:t>
-            </a:r>
-            <a:r>
-              <a:rPr lang="en-US" dirty="0" err="1"/>
-              <a:t>RowStore</a:t>
-            </a:r>
-            <a:r>
-              <a:rPr lang="en-US" dirty="0"/>
-              <a:t>, </a:t>
-            </a:r>
-            <a:r>
-              <a:rPr lang="en-US" dirty="0" err="1"/>
-              <a:t>ColumnStore</a:t>
-            </a:r>
-            <a:r>
-              <a:rPr lang="en-US" dirty="0"/>
-              <a:t>, Indexed View,</a:t>
-            </a:r>
-          </a:p>
-          <a:p>
-            <a:r>
-              <a:rPr lang="en-US" dirty="0"/>
-              <a:t>	Aggregate Priority Score descending</a:t>
-            </a:r>
-          </a:p>
-          <a:p>
-            <a:r>
-              <a:rPr lang="en-US" dirty="0"/>
-              <a:t>	Specific hurt percent of “total” </a:t>
-            </a:r>
-          </a:p>
-          <a:p>
-            <a:r>
-              <a:rPr lang="en-US" dirty="0"/>
+              <a:rPr lang="en-US" dirty="0">
+                <a:solidFill>
+                  <a:schemeClr val="tx1"/>
+                </a:solidFill>
+              </a:rPr>
+              <a:t>For each table</a:t>
+            </a:r>
+          </a:p>
+          <a:p>
+            <a:r>
+              <a:rPr lang="en-US" dirty="0">
+                <a:solidFill>
+                  <a:schemeClr val="tx1"/>
+                </a:solidFill>
+              </a:rPr>
               <a:t>Columns highlighted “good” green to “bad” red</a:t>
             </a:r>
           </a:p>
           <a:p>
             <a:r>
-              <a:rPr lang="en-US" dirty="0"/>
+              <a:rPr lang="en-US" dirty="0">
+                <a:solidFill>
+                  <a:schemeClr val="tx1"/>
+                </a:solidFill>
+              </a:rPr>
               <a:t>	not all good or all bad</a:t>
             </a:r>
           </a:p>
@@ -12288,7 +12319,7 @@
             <a:pPr lvl="1"/>
             <a:r>
               <a:rPr lang="en-US" dirty="0"/>
-              <a:t>Creates new data page &amp; splinters data between pages</a:t>
+              <a:t>Creates new page &amp; splinters data between both pages</a:t>
             </a:r>
           </a:p>
           <a:p>
@@ -22277,6 +22308,9 @@
                     <p:cTn id="3" fill="hold">
                       <p:stCondLst>
                         <p:cond delay="indefinite"/>
+                        <p:cond evt="onBegin" delay="0">
+                          <p:tn val="2"/>
+                        </p:cond>
                       </p:stCondLst>
                       <p:childTnLst>
                         <p:par>
@@ -22286,7 +22320,7 @@
                             </p:stCondLst>
                             <p:childTnLst>
                               <p:par>
-                                <p:cTn id="5" presetID="1" presetClass="entr" presetSubtype="0" fill="hold" nodeType="clickEffect">
+                                <p:cTn id="5" presetID="1" presetClass="entr" presetSubtype="0" fill="hold" nodeType="withEffect">
                                   <p:stCondLst>
                                     <p:cond delay="0"/>
                                   </p:stCondLst>
@@ -22883,7 +22917,7 @@
             </a:pPr>
             <a:r>
               <a:rPr lang="en-US" dirty="0"/>
-              <a:t>97 detailed prescriptions (as of latest version)</a:t>
+              <a:t>97 detailed prescriptions</a:t>
             </a:r>
           </a:p>
           <a:p>
@@ -23556,30 +23590,6 @@
               <a:t>Required by others - e.g. unique index supporting a full-text index</a:t>
             </a:r>
           </a:p>
-          <a:p>
-            <a:pPr lvl="1">
-              <a:tabLst>
-                <a:tab pos="1554480" algn="l"/>
-                <a:tab pos="1655064" algn="l"/>
-              </a:tabLst>
-            </a:pPr>
-            <a:r>
-              <a:rPr lang="en-US" dirty="0"/>
-              <a:t>Indexes with no writes</a:t>
-            </a:r>
-          </a:p>
-          <a:p>
-            <a:pPr lvl="1">
-              <a:tabLst>
-                <a:tab pos="1554480" algn="l"/>
-                <a:tab pos="1655064" algn="l"/>
-              </a:tabLst>
-            </a:pPr>
-            <a:r>
-              <a:rPr lang="en-US" dirty="0"/>
-              <a:t>System internal tables</a:t>
-            </a:r>
-          </a:p>
         </p:txBody>
       </p:sp>
       <p:sp>
@@ -24075,104 +24085,6 @@
                                           <p:spTgt spid="7">
                                             <p:txEl>
                                               <p:pRg st="5" end="5"/>
-                                            </p:txEl>
-                                          </p:spTgt>
-                                        </p:tgtEl>
-                                        <p:attrNameLst>
-                                          <p:attrName>style.visibility</p:attrName>
-                                        </p:attrNameLst>
-                                      </p:cBhvr>
-                                      <p:to>
-                                        <p:strVal val="visible"/>
-                                      </p:to>
-                                    </p:set>
-                                  </p:childTnLst>
-                                </p:cTn>
-                              </p:par>
-                            </p:childTnLst>
-                          </p:cTn>
-                        </p:par>
-                      </p:childTnLst>
-                    </p:cTn>
-                  </p:par>
-                  <p:par>
-                    <p:cTn id="27" fill="hold">
-                      <p:stCondLst>
-                        <p:cond delay="indefinite"/>
-                      </p:stCondLst>
-                      <p:childTnLst>
-                        <p:par>
-                          <p:cTn id="28" fill="hold">
-                            <p:stCondLst>
-                              <p:cond delay="0"/>
-                            </p:stCondLst>
-                            <p:childTnLst>
-                              <p:par>
-                                <p:cTn id="29" presetID="1" presetClass="entr" presetSubtype="0" fill="hold" nodeType="clickEffect">
-                                  <p:stCondLst>
-                                    <p:cond delay="0"/>
-                                  </p:stCondLst>
-                                  <p:childTnLst>
-                                    <p:set>
-                                      <p:cBhvr>
-                                        <p:cTn id="30" dur="1" fill="hold">
-                                          <p:stCondLst>
-                                            <p:cond delay="0"/>
-                                          </p:stCondLst>
-                                        </p:cTn>
-                                        <p:tgtEl>
-                                          <p:spTgt spid="7">
-                                            <p:txEl>
-                                              <p:pRg st="6" end="6"/>
-                                            </p:txEl>
-                                          </p:spTgt>
-                                        </p:tgtEl>
-                                        <p:attrNameLst>
-                                          <p:attrName>style.visibility</p:attrName>
-                                        </p:attrNameLst>
-                                      </p:cBhvr>
-                                      <p:to>
-                                        <p:strVal val="visible"/>
-                                      </p:to>
-                                    </p:set>
-                                  </p:childTnLst>
-                                </p:cTn>
-                              </p:par>
-                            </p:childTnLst>
-                          </p:cTn>
-                        </p:par>
-                      </p:childTnLst>
-                    </p:cTn>
-                  </p:par>
-                  <p:par>
-                    <p:cTn id="31" fill="hold">
-                      <p:stCondLst>
-                        <p:cond delay="indefinite"/>
-                      </p:stCondLst>
-                      <p:childTnLst>
-                        <p:par>
-                          <p:cTn id="32" fill="hold">
-                            <p:stCondLst>
-                              <p:cond delay="0"/>
-                            </p:stCondLst>
-                            <p:childTnLst>
-                              <p:par>
-                                <p:cTn id="33" presetID="1" presetClass="entr" presetSubtype="0" fill="hold" nodeType="clickEffect">
-                                  <p:stCondLst>
-                                    <p:cond delay="0"/>
-                                  </p:stCondLst>
-                                  <p:childTnLst>
-                                    <p:set>
-                                      <p:cBhvr>
-                                        <p:cTn id="34" dur="1" fill="hold">
-                                          <p:stCondLst>
-                                            <p:cond delay="0"/>
-                                          </p:stCondLst>
-                                        </p:cTn>
-                                        <p:tgtEl>
-                                          <p:spTgt spid="7">
-                                            <p:txEl>
-                                              <p:pRg st="7" end="7"/>
                                             </p:txEl>
                                           </p:spTgt>
                                         </p:tgtEl>
@@ -24337,7 +24249,7 @@
             </a:pPr>
             <a:r>
               <a:rPr lang="en-US" dirty="0"/>
-              <a:t>Missing indexes with low calculated value</a:t>
+              <a:t>Missing indexes with low calculated benefit</a:t>
             </a:r>
           </a:p>
           <a:p>
@@ -24911,12 +24823,8 @@
               </a:tabLst>
             </a:pPr>
             <a:r>
-              <a:rPr lang="en-US" dirty="0" err="1"/>
-              <a:t>Clustereds</a:t>
-            </a:r>
-            <a:r>
               <a:rPr lang="en-US" dirty="0"/>
-              <a:t> on heaps with significant usage</a:t>
+              <a:t>Clustered indexes on heaps with usage</a:t>
             </a:r>
           </a:p>
           <a:p>
@@ -25963,7 +25871,7 @@
             </a:pPr>
             <a:r>
               <a:rPr lang="en-US" dirty="0"/>
-              <a:t>Least used redundant index (same sequence)</a:t>
+              <a:t>Duplicate - Least used</a:t>
             </a:r>
           </a:p>
           <a:p>
@@ -27067,7 +26975,7 @@
             </a:pPr>
             <a:r>
               <a:rPr lang="en-US" dirty="0"/>
-              <a:t>Existing Indexes</a:t>
+              <a:t>Statistics on indexes</a:t>
             </a:r>
           </a:p>
           <a:p>
@@ -27079,11 +26987,11 @@
             </a:pPr>
             <a:r>
               <a:rPr lang="en-US" dirty="0"/>
-              <a:t>Update statistics </a:t>
-            </a:r>
-          </a:p>
-          <a:p>
-            <a:pPr lvl="2">
+              <a:t>Stats modifications counted</a:t>
+            </a:r>
+          </a:p>
+          <a:p>
+            <a:pPr lvl="1">
               <a:tabLst>
                 <a:tab pos="1554480" algn="l"/>
                 <a:tab pos="1655064" algn="l"/>
@@ -27091,13 +26999,8 @@
             </a:pPr>
             <a:r>
               <a:rPr lang="en-US" dirty="0"/>
-              <a:t>stats </a:t>
-            </a:r>
-            <a:r>
-              <a:rPr lang="en-US" dirty="0" err="1"/>
-              <a:t>modification_counter</a:t>
-            </a:r>
-            <a:endParaRPr lang="en-US" dirty="0"/>
+              <a:t>Stats row count not matching table row count</a:t>
+            </a:r>
           </a:p>
           <a:p>
             <a:pPr>
@@ -27383,6 +27286,68 @@
                                   </p:childTnLst>
                                 </p:cTn>
                               </p:par>
+                              <p:par>
+                                <p:cTn id="7" presetID="1" presetClass="entr" presetSubtype="0" fill="hold" nodeType="withEffect">
+                                  <p:stCondLst>
+                                    <p:cond delay="0"/>
+                                  </p:stCondLst>
+                                  <p:childTnLst>
+                                    <p:set>
+                                      <p:cBhvr>
+                                        <p:cTn id="8" dur="1" fill="hold">
+                                          <p:stCondLst>
+                                            <p:cond delay="0"/>
+                                          </p:stCondLst>
+                                        </p:cTn>
+                                        <p:tgtEl>
+                                          <p:spTgt spid="7">
+                                            <p:txEl>
+                                              <p:pRg st="1" end="1"/>
+                                            </p:txEl>
+                                          </p:spTgt>
+                                        </p:tgtEl>
+                                        <p:attrNameLst>
+                                          <p:attrName>style.visibility</p:attrName>
+                                        </p:attrNameLst>
+                                      </p:cBhvr>
+                                      <p:to>
+                                        <p:strVal val="visible"/>
+                                      </p:to>
+                                    </p:set>
+                                  </p:childTnLst>
+                                </p:cTn>
+                              </p:par>
+                              <p:par>
+                                <p:cTn id="9" presetID="1" presetClass="entr" presetSubtype="0" fill="hold" nodeType="withEffect">
+                                  <p:stCondLst>
+                                    <p:cond delay="0"/>
+                                  </p:stCondLst>
+                                  <p:childTnLst>
+                                    <p:set>
+                                      <p:cBhvr>
+                                        <p:cTn id="10" dur="1" fill="hold">
+                                          <p:stCondLst>
+                                            <p:cond delay="0"/>
+                                          </p:stCondLst>
+                                        </p:cTn>
+                                        <p:tgtEl>
+                                          <p:spTgt spid="7">
+                                            <p:txEl>
+                                              <p:pRg st="2" end="2"/>
+                                            </p:txEl>
+                                          </p:spTgt>
+                                        </p:tgtEl>
+                                        <p:attrNameLst>
+                                          <p:attrName>style.visibility</p:attrName>
+                                        </p:attrNameLst>
+                                      </p:cBhvr>
+                                      <p:to>
+                                        <p:strVal val="visible"/>
+                                      </p:to>
+                                    </p:set>
+                                  </p:childTnLst>
+                                </p:cTn>
+                              </p:par>
                             </p:childTnLst>
                           </p:cTn>
                         </p:par>
@@ -27390,106 +27355,26 @@
                     </p:cTn>
                   </p:par>
                   <p:par>
-                    <p:cTn id="7" fill="hold">
+                    <p:cTn id="11" fill="hold">
                       <p:stCondLst>
                         <p:cond delay="indefinite"/>
                       </p:stCondLst>
                       <p:childTnLst>
                         <p:par>
-                          <p:cTn id="8" fill="hold">
+                          <p:cTn id="12" fill="hold">
                             <p:stCondLst>
                               <p:cond delay="0"/>
                             </p:stCondLst>
                             <p:childTnLst>
                               <p:par>
-                                <p:cTn id="9" presetID="1" presetClass="entr" presetSubtype="0" fill="hold" nodeType="clickEffect">
-                                  <p:stCondLst>
-                                    <p:cond delay="0"/>
-                                  </p:stCondLst>
-                                  <p:childTnLst>
-                                    <p:set>
-                                      <p:cBhvr>
-                                        <p:cTn id="10" dur="1" fill="hold">
-                                          <p:stCondLst>
-                                            <p:cond delay="0"/>
-                                          </p:stCondLst>
-                                        </p:cTn>
-                                        <p:tgtEl>
-                                          <p:spTgt spid="7">
-                                            <p:txEl>
-                                              <p:pRg st="1" end="1"/>
-                                            </p:txEl>
-                                          </p:spTgt>
-                                        </p:tgtEl>
-                                        <p:attrNameLst>
-                                          <p:attrName>style.visibility</p:attrName>
-                                        </p:attrNameLst>
-                                      </p:cBhvr>
-                                      <p:to>
-                                        <p:strVal val="visible"/>
-                                      </p:to>
-                                    </p:set>
-                                  </p:childTnLst>
-                                </p:cTn>
-                              </p:par>
-                              <p:par>
-                                <p:cTn id="11" presetID="1" presetClass="entr" presetSubtype="0" fill="hold" nodeType="withEffect">
-                                  <p:stCondLst>
-                                    <p:cond delay="0"/>
-                                  </p:stCondLst>
-                                  <p:childTnLst>
-                                    <p:set>
-                                      <p:cBhvr>
-                                        <p:cTn id="12" dur="1" fill="hold">
-                                          <p:stCondLst>
-                                            <p:cond delay="0"/>
-                                          </p:stCondLst>
-                                        </p:cTn>
-                                        <p:tgtEl>
-                                          <p:spTgt spid="7">
-                                            <p:txEl>
-                                              <p:pRg st="2" end="2"/>
-                                            </p:txEl>
-                                          </p:spTgt>
-                                        </p:tgtEl>
-                                        <p:attrNameLst>
-                                          <p:attrName>style.visibility</p:attrName>
-                                        </p:attrNameLst>
-                                      </p:cBhvr>
-                                      <p:to>
-                                        <p:strVal val="visible"/>
-                                      </p:to>
-                                    </p:set>
-                                  </p:childTnLst>
-                                </p:cTn>
-                              </p:par>
-                            </p:childTnLst>
-                          </p:cTn>
-                        </p:par>
-                      </p:childTnLst>
-                    </p:cTn>
-                  </p:par>
-                  <p:par>
-                    <p:cTn id="13" fill="hold">
-                      <p:stCondLst>
-                        <p:cond delay="indefinite"/>
-                      </p:stCondLst>
-                      <p:childTnLst>
-                        <p:par>
-                          <p:cTn id="14" fill="hold">
-                            <p:stCondLst>
-                              <p:cond delay="0"/>
-                            </p:stCondLst>
-                            <p:childTnLst>
-                              <p:par>
-                                <p:cTn id="15" presetID="1" presetClass="entr" presetSubtype="0" fill="hold" nodeType="clickEffect">
-                                  <p:stCondLst>
-                                    <p:cond delay="0"/>
-                                  </p:stCondLst>
-                                  <p:childTnLst>
-                                    <p:set>
-                                      <p:cBhvr>
-                                        <p:cTn id="16" dur="1" fill="hold">
+                                <p:cTn id="13" presetID="1" presetClass="entr" presetSubtype="0" fill="hold" nodeType="clickEffect">
+                                  <p:stCondLst>
+                                    <p:cond delay="0"/>
+                                  </p:stCondLst>
+                                  <p:childTnLst>
+                                    <p:set>
+                                      <p:cBhvr>
+                                        <p:cTn id="14" dur="1" fill="hold">
                                           <p:stCondLst>
                                             <p:cond delay="0"/>
                                           </p:stCondLst>
@@ -28832,7 +28717,7 @@
                   <a:srgbClr val="FF0000"/>
                 </a:solidFill>
               </a:rPr>
-              <a:t>RESOURCE_SEMAPHORE	</a:t>
+              <a:t>RESOURCE_SEMAPHORE		</a:t>
             </a:r>
             <a:r>
               <a:rPr lang="en-US" b="1" dirty="0">
@@ -28856,7 +28741,7 @@
                   <a:srgbClr val="FF0000"/>
                 </a:solidFill>
               </a:rPr>
-              <a:t>THREADPOOL			</a:t>
+              <a:t>THREADPOOL				</a:t>
             </a:r>
             <a:r>
               <a:rPr lang="en-US" b="1" dirty="0">
@@ -28872,7 +28757,7 @@
             <a:pPr lvl="1"/>
             <a:r>
               <a:rPr lang="en-US" dirty="0"/>
-              <a:t>SOS_SCHEDULER_YIELD	</a:t>
+              <a:t>SOS_SCHEDULER_YIELD		</a:t>
             </a:r>
             <a:r>
               <a:rPr lang="en-US" b="1" dirty="0">
@@ -28888,7 +28773,7 @@
             <a:pPr lvl="1"/>
             <a:r>
               <a:rPr lang="en-US" dirty="0"/>
-              <a:t>LCK_* &amp; PAGELATCH_*	</a:t>
+              <a:t>LCK_* &amp; PAGELATCH_*		</a:t>
             </a:r>
             <a:r>
               <a:rPr lang="en-US" b="1" dirty="0">
@@ -28910,7 +28795,7 @@
             <a:pPr lvl="1"/>
             <a:r>
               <a:rPr lang="en-US" dirty="0"/>
-              <a:t>Waits - times &amp; counts		 		</a:t>
+              <a:t>Waits - times &amp; counts		</a:t>
             </a:r>
             <a:r>
               <a:rPr lang="en-US" b="1" dirty="0">
@@ -28926,7 +28811,7 @@
             <a:pPr lvl="1"/>
             <a:r>
               <a:rPr lang="en-US" dirty="0"/>
-              <a:t>Locks - count, promotion attempts &amp; fails	</a:t>
+              <a:t>Locks - count, promotions		</a:t>
             </a:r>
             <a:r>
               <a:rPr lang="en-US" b="1" dirty="0">
@@ -28942,7 +28827,7 @@
             <a:pPr lvl="1"/>
             <a:r>
               <a:rPr lang="en-US" dirty="0"/>
-              <a:t>Scans &amp; lookups (% of table reads)			</a:t>
+              <a:t>Scans &amp; lookups			</a:t>
             </a:r>
             <a:r>
               <a:rPr lang="en-US" b="1" dirty="0">
@@ -28958,7 +28843,7 @@
             <a:pPr lvl="1"/>
             <a:r>
               <a:rPr lang="en-US" dirty="0"/>
-              <a:t>Read to write ratio - operations, usage		</a:t>
+              <a:t>Read to write ratio			</a:t>
             </a:r>
             <a:r>
               <a:rPr lang="en-US" b="1" dirty="0">
@@ -28974,7 +28859,7 @@
             <a:pPr lvl="1"/>
             <a:r>
               <a:rPr lang="en-US" dirty="0"/>
-              <a:t>Writes - operations, usage				</a:t>
+              <a:t>Writes - operations, usage		</a:t>
             </a:r>
             <a:r>
               <a:rPr lang="en-US" b="1" dirty="0">
@@ -28990,7 +28875,7 @@
             <a:pPr lvl="1"/>
             <a:r>
               <a:rPr lang="en-US" dirty="0"/>
-              <a:t>Page splits, merges, Value push off / pull in	</a:t>
+              <a:t>Splits, merges, push off / pull in	</a:t>
             </a:r>
             <a:r>
               <a:rPr lang="en-US" b="1" dirty="0">
@@ -29006,7 +28891,7 @@
             <a:pPr lvl="1"/>
             <a:r>
               <a:rPr lang="en-US" dirty="0"/>
-              <a:t>Buffer cache usage					</a:t>
+              <a:t>Buffer cache usage			</a:t>
             </a:r>
             <a:r>
               <a:rPr lang="en-US" b="1" dirty="0">
@@ -33382,7 +33267,7 @@
           <a:p>
             <a:r>
               <a:rPr lang="en-US" dirty="0"/>
-              <a:t>89 DMVs &amp; DMFs, 940 columns - as of latest version</a:t>
+              <a:t>89 DMVs &amp; DMFs, 940 columns</a:t>
             </a:r>
           </a:p>
           <a:p>
@@ -43620,7 +43505,7 @@
           <a:p>
             <a:r>
               <a:rPr lang="en-US" dirty="0"/>
-              <a:t>Completed most of the remaining index prescriptions</a:t>
+              <a:t>Completed most of the remaining index prescriptions, including:</a:t>
             </a:r>
           </a:p>
           <a:p>
@@ -43655,20 +43540,6 @@
             <a:r>
               <a:rPr lang="en-US" dirty="0"/>
               <a:t>Add high-value missing indexes, heap clusters, &amp; foreign key covers</a:t>
-            </a:r>
-          </a:p>
-          <a:p>
-            <a:pPr lvl="1"/>
-            <a:r>
-              <a:rPr lang="en-US" dirty="0"/>
-              <a:t>Address indexes with uniqueness issues, key overlaps, or extraneous keys</a:t>
-            </a:r>
-          </a:p>
-          <a:p>
-            <a:pPr lvl="1"/>
-            <a:r>
-              <a:rPr lang="en-US" dirty="0"/>
-              <a:t>Review/change instance &amp; database level properties</a:t>
             </a:r>
           </a:p>
         </p:txBody>
@@ -43987,104 +43858,6 @@
                                           <p:spTgt spid="2">
                                             <p:txEl>
                                               <p:pRg st="5" end="5"/>
-                                            </p:txEl>
-                                          </p:spTgt>
-                                        </p:tgtEl>
-                                        <p:attrNameLst>
-                                          <p:attrName>style.visibility</p:attrName>
-                                        </p:attrNameLst>
-                                      </p:cBhvr>
-                                      <p:to>
-                                        <p:strVal val="visible"/>
-                                      </p:to>
-                                    </p:set>
-                                  </p:childTnLst>
-                                </p:cTn>
-                              </p:par>
-                            </p:childTnLst>
-                          </p:cTn>
-                        </p:par>
-                      </p:childTnLst>
-                    </p:cTn>
-                  </p:par>
-                  <p:par>
-                    <p:cTn id="25" fill="hold">
-                      <p:stCondLst>
-                        <p:cond delay="indefinite"/>
-                      </p:stCondLst>
-                      <p:childTnLst>
-                        <p:par>
-                          <p:cTn id="26" fill="hold">
-                            <p:stCondLst>
-                              <p:cond delay="0"/>
-                            </p:stCondLst>
-                            <p:childTnLst>
-                              <p:par>
-                                <p:cTn id="27" presetID="1" presetClass="entr" presetSubtype="0" fill="hold" nodeType="clickEffect">
-                                  <p:stCondLst>
-                                    <p:cond delay="0"/>
-                                  </p:stCondLst>
-                                  <p:childTnLst>
-                                    <p:set>
-                                      <p:cBhvr>
-                                        <p:cTn id="28" dur="1" fill="hold">
-                                          <p:stCondLst>
-                                            <p:cond delay="0"/>
-                                          </p:stCondLst>
-                                        </p:cTn>
-                                        <p:tgtEl>
-                                          <p:spTgt spid="2">
-                                            <p:txEl>
-                                              <p:pRg st="6" end="6"/>
-                                            </p:txEl>
-                                          </p:spTgt>
-                                        </p:tgtEl>
-                                        <p:attrNameLst>
-                                          <p:attrName>style.visibility</p:attrName>
-                                        </p:attrNameLst>
-                                      </p:cBhvr>
-                                      <p:to>
-                                        <p:strVal val="visible"/>
-                                      </p:to>
-                                    </p:set>
-                                  </p:childTnLst>
-                                </p:cTn>
-                              </p:par>
-                            </p:childTnLst>
-                          </p:cTn>
-                        </p:par>
-                      </p:childTnLst>
-                    </p:cTn>
-                  </p:par>
-                  <p:par>
-                    <p:cTn id="29" fill="hold">
-                      <p:stCondLst>
-                        <p:cond delay="indefinite"/>
-                      </p:stCondLst>
-                      <p:childTnLst>
-                        <p:par>
-                          <p:cTn id="30" fill="hold">
-                            <p:stCondLst>
-                              <p:cond delay="0"/>
-                            </p:stCondLst>
-                            <p:childTnLst>
-                              <p:par>
-                                <p:cTn id="31" presetID="1" presetClass="entr" presetSubtype="0" fill="hold" nodeType="clickEffect">
-                                  <p:stCondLst>
-                                    <p:cond delay="0"/>
-                                  </p:stCondLst>
-                                  <p:childTnLst>
-                                    <p:set>
-                                      <p:cBhvr>
-                                        <p:cTn id="32" dur="1" fill="hold">
-                                          <p:stCondLst>
-                                            <p:cond delay="0"/>
-                                          </p:stCondLst>
-                                        </p:cTn>
-                                        <p:tgtEl>
-                                          <p:spTgt spid="2">
-                                            <p:txEl>
-                                              <p:pRg st="7" end="7"/>
                                             </p:txEl>
                                           </p:spTgt>
                                         </p:tgtEl>
